--- a/PPT/4090E041-黃品瑄-webgoat網站應用程式漏洞測試_20210605_.pptx
+++ b/PPT/4090E041-黃品瑄-webgoat網站應用程式漏洞測試_20210605_.pptx
@@ -27,9 +27,6 @@
     <p:sldId id="286" r:id="rId21"/>
     <p:sldId id="287" r:id="rId22"/>
     <p:sldId id="288" r:id="rId23"/>
-    <p:sldId id="274" r:id="rId24"/>
-    <p:sldId id="275" r:id="rId25"/>
-    <p:sldId id="276" r:id="rId26"/>
   </p:sldIdLst>
   <p:sldSz cx="9144000" cy="6858000" type="screen4x3"/>
   <p:notesSz cx="6858000" cy="9144000"/>
@@ -4446,6 +4443,36 @@
           <a:chExt cx="0" cy="0"/>
         </a:xfrm>
       </p:grpSpPr>
+      <p:pic>
+        <p:nvPicPr>
+          <p:cNvPr id="7" name="圖片 6">
+            <a:extLst>
+              <a:ext uri="{FF2B5EF4-FFF2-40B4-BE49-F238E27FC236}">
+                <a16:creationId xmlns:a16="http://schemas.microsoft.com/office/drawing/2014/main" id="{96B0D968-9D2B-4CA4-A735-57EDC3B90343}"/>
+              </a:ext>
+            </a:extLst>
+          </p:cNvPr>
+          <p:cNvPicPr>
+            <a:picLocks noChangeAspect="1"/>
+          </p:cNvPicPr>
+          <p:nvPr/>
+        </p:nvPicPr>
+        <p:blipFill>
+          <a:blip r:embed="rId2"/>
+          <a:stretch>
+            <a:fillRect/>
+          </a:stretch>
+        </p:blipFill>
+        <p:spPr>
+          <a:xfrm>
+            <a:off x="0" y="1627032"/>
+            <a:ext cx="9144000" cy="3603936"/>
+          </a:xfrm>
+          <a:prstGeom prst="rect">
+            <a:avLst/>
+          </a:prstGeom>
+        </p:spPr>
+      </p:pic>
     </p:spTree>
     <p:extLst>
       <p:ext uri="{BB962C8B-B14F-4D97-AF65-F5344CB8AC3E}">
@@ -4476,45 +4503,19 @@
           <a:chExt cx="0" cy="0"/>
         </a:xfrm>
       </p:grpSpPr>
-    </p:spTree>
-    <p:extLst>
-      <p:ext uri="{BB962C8B-B14F-4D97-AF65-F5344CB8AC3E}">
-        <p14:creationId xmlns:p14="http://schemas.microsoft.com/office/powerpoint/2010/main" val="1358028346"/>
-      </p:ext>
-    </p:extLst>
-  </p:cSld>
-  <p:clrMapOvr>
-    <a:masterClrMapping/>
-  </p:clrMapOvr>
-</p:sld>
-</file>
-
-<file path=ppt/slides/slide23.xml><?xml version="1.0" encoding="utf-8"?>
-<p:sld xmlns:a="http://schemas.openxmlformats.org/drawingml/2006/main" xmlns:r="http://schemas.openxmlformats.org/officeDocument/2006/relationships" xmlns:p="http://schemas.openxmlformats.org/presentationml/2006/main">
-  <p:cSld>
-    <p:spTree>
-      <p:nvGrpSpPr>
-        <p:cNvPr id="1" name=""/>
-        <p:cNvGrpSpPr/>
-        <p:nvPr/>
-      </p:nvGrpSpPr>
-      <p:grpSpPr>
-        <a:xfrm>
-          <a:off x="0" y="0"/>
-          <a:ext cx="0" cy="0"/>
-          <a:chOff x="0" y="0"/>
-          <a:chExt cx="0" cy="0"/>
-        </a:xfrm>
-      </p:grpSpPr>
       <p:pic>
         <p:nvPicPr>
-          <p:cNvPr id="4" name="內容版面配置區 3"/>
+          <p:cNvPr id="3" name="圖片 2">
+            <a:extLst>
+              <a:ext uri="{FF2B5EF4-FFF2-40B4-BE49-F238E27FC236}">
+                <a16:creationId xmlns:a16="http://schemas.microsoft.com/office/drawing/2014/main" id="{2131DA7F-FC8B-487A-9C48-1589F2973610}"/>
+              </a:ext>
+            </a:extLst>
+          </p:cNvPr>
           <p:cNvPicPr>
-            <a:picLocks noGrp="1" noChangeAspect="1"/>
+            <a:picLocks noChangeAspect="1"/>
           </p:cNvPicPr>
-          <p:nvPr>
-            <p:ph idx="1"/>
-          </p:nvPr>
+          <p:nvPr/>
         </p:nvPicPr>
         <p:blipFill>
           <a:blip r:embed="rId2"/>
@@ -4524,8 +4525,8 @@
         </p:blipFill>
         <p:spPr>
           <a:xfrm>
-            <a:off x="628650" y="2057358"/>
-            <a:ext cx="7886700" cy="3887872"/>
+            <a:off x="0" y="1457823"/>
+            <a:ext cx="9144000" cy="3942354"/>
           </a:xfrm>
           <a:prstGeom prst="rect">
             <a:avLst/>
@@ -4535,157 +4536,7 @@
     </p:spTree>
     <p:extLst>
       <p:ext uri="{BB962C8B-B14F-4D97-AF65-F5344CB8AC3E}">
-        <p14:creationId xmlns:p14="http://schemas.microsoft.com/office/powerpoint/2010/main" val="2105111537"/>
-      </p:ext>
-    </p:extLst>
-  </p:cSld>
-  <p:clrMapOvr>
-    <a:masterClrMapping/>
-  </p:clrMapOvr>
-</p:sld>
-</file>
-
-<file path=ppt/slides/slide24.xml><?xml version="1.0" encoding="utf-8"?>
-<p:sld xmlns:a="http://schemas.openxmlformats.org/drawingml/2006/main" xmlns:r="http://schemas.openxmlformats.org/officeDocument/2006/relationships" xmlns:p="http://schemas.openxmlformats.org/presentationml/2006/main">
-  <p:cSld>
-    <p:spTree>
-      <p:nvGrpSpPr>
-        <p:cNvPr id="1" name=""/>
-        <p:cNvGrpSpPr/>
-        <p:nvPr/>
-      </p:nvGrpSpPr>
-      <p:grpSpPr>
-        <a:xfrm>
-          <a:off x="0" y="0"/>
-          <a:ext cx="0" cy="0"/>
-          <a:chOff x="0" y="0"/>
-          <a:chExt cx="0" cy="0"/>
-        </a:xfrm>
-      </p:grpSpPr>
-      <p:sp>
-        <p:nvSpPr>
-          <p:cNvPr id="2" name="標題 1"/>
-          <p:cNvSpPr>
-            <a:spLocks noGrp="1"/>
-          </p:cNvSpPr>
-          <p:nvPr>
-            <p:ph type="title"/>
-          </p:nvPr>
-        </p:nvSpPr>
-        <p:spPr/>
-        <p:txBody>
-          <a:bodyPr/>
-          <a:lstStyle/>
-          <a:p>
-            <a:endParaRPr lang="zh-TW" altLang="en-US"/>
-          </a:p>
-        </p:txBody>
-      </p:sp>
-      <p:pic>
-        <p:nvPicPr>
-          <p:cNvPr id="4" name="內容版面配置區 3"/>
-          <p:cNvPicPr>
-            <a:picLocks noGrp="1" noChangeAspect="1"/>
-          </p:cNvPicPr>
-          <p:nvPr>
-            <p:ph idx="1"/>
-          </p:nvPr>
-        </p:nvPicPr>
-        <p:blipFill>
-          <a:blip r:embed="rId2"/>
-          <a:stretch>
-            <a:fillRect/>
-          </a:stretch>
-        </p:blipFill>
-        <p:spPr>
-          <a:xfrm>
-            <a:off x="858926" y="1825625"/>
-            <a:ext cx="7426148" cy="4351338"/>
-          </a:xfrm>
-          <a:prstGeom prst="rect">
-            <a:avLst/>
-          </a:prstGeom>
-        </p:spPr>
-      </p:pic>
-    </p:spTree>
-    <p:extLst>
-      <p:ext uri="{BB962C8B-B14F-4D97-AF65-F5344CB8AC3E}">
-        <p14:creationId xmlns:p14="http://schemas.microsoft.com/office/powerpoint/2010/main" val="2185101130"/>
-      </p:ext>
-    </p:extLst>
-  </p:cSld>
-  <p:clrMapOvr>
-    <a:masterClrMapping/>
-  </p:clrMapOvr>
-</p:sld>
-</file>
-
-<file path=ppt/slides/slide25.xml><?xml version="1.0" encoding="utf-8"?>
-<p:sld xmlns:a="http://schemas.openxmlformats.org/drawingml/2006/main" xmlns:r="http://schemas.openxmlformats.org/officeDocument/2006/relationships" xmlns:p="http://schemas.openxmlformats.org/presentationml/2006/main">
-  <p:cSld>
-    <p:spTree>
-      <p:nvGrpSpPr>
-        <p:cNvPr id="1" name=""/>
-        <p:cNvGrpSpPr/>
-        <p:nvPr/>
-      </p:nvGrpSpPr>
-      <p:grpSpPr>
-        <a:xfrm>
-          <a:off x="0" y="0"/>
-          <a:ext cx="0" cy="0"/>
-          <a:chOff x="0" y="0"/>
-          <a:chExt cx="0" cy="0"/>
-        </a:xfrm>
-      </p:grpSpPr>
-      <p:sp>
-        <p:nvSpPr>
-          <p:cNvPr id="2" name="標題 1"/>
-          <p:cNvSpPr>
-            <a:spLocks noGrp="1"/>
-          </p:cNvSpPr>
-          <p:nvPr>
-            <p:ph type="title"/>
-          </p:nvPr>
-        </p:nvSpPr>
-        <p:spPr/>
-        <p:txBody>
-          <a:bodyPr/>
-          <a:lstStyle/>
-          <a:p>
-            <a:endParaRPr lang="zh-TW" altLang="en-US"/>
-          </a:p>
-        </p:txBody>
-      </p:sp>
-      <p:pic>
-        <p:nvPicPr>
-          <p:cNvPr id="4" name="內容版面配置區 3"/>
-          <p:cNvPicPr>
-            <a:picLocks noGrp="1" noChangeAspect="1"/>
-          </p:cNvPicPr>
-          <p:nvPr>
-            <p:ph idx="1"/>
-          </p:nvPr>
-        </p:nvPicPr>
-        <p:blipFill>
-          <a:blip r:embed="rId2"/>
-          <a:stretch>
-            <a:fillRect/>
-          </a:stretch>
-        </p:blipFill>
-        <p:spPr>
-          <a:xfrm>
-            <a:off x="406978" y="1856508"/>
-            <a:ext cx="7886700" cy="4664363"/>
-          </a:xfrm>
-          <a:prstGeom prst="rect">
-            <a:avLst/>
-          </a:prstGeom>
-        </p:spPr>
-      </p:pic>
-    </p:spTree>
-    <p:extLst>
-      <p:ext uri="{BB962C8B-B14F-4D97-AF65-F5344CB8AC3E}">
-        <p14:creationId xmlns:p14="http://schemas.microsoft.com/office/powerpoint/2010/main" val="1971726002"/>
+        <p14:creationId xmlns:p14="http://schemas.microsoft.com/office/powerpoint/2010/main" val="1358028346"/>
       </p:ext>
     </p:extLst>
   </p:cSld>
